--- a/AnyOneCanCode.pptx
+++ b/AnyOneCanCode.pptx
@@ -116,7 +116,7 @@
   </p:defaultTextStyle>
   <p:extLst>
     <p:ext uri="{EFAFB233-063F-42B5-8137-9DF3F51BA10A}">
-      <p15:sldGuideLst xmlns:p15="http://schemas.microsoft.com/office/powerpoint/2012/main" xmlns="">
+      <p15:sldGuideLst xmlns="" xmlns:p15="http://schemas.microsoft.com/office/powerpoint/2012/main">
         <p15:guide id="1" orient="horz" pos="2160">
           <p15:clr>
             <a:srgbClr val="A4A3A4"/>
@@ -1945,7 +1945,7 @@
           <a:p>
             <a:fld id="{0F441241-8C0B-43F1-9DC0-47C0CAE77922}" type="datetimeFigureOut">
               <a:rPr lang="en-IN" smtClean="0"/>
-              <a:t>05-06-2018</a:t>
+              <a:t>06-06-2018</a:t>
             </a:fld>
             <a:endParaRPr lang="en-IN"/>
           </a:p>
@@ -2126,7 +2126,7 @@
           <a:p>
             <a:fld id="{0F441241-8C0B-43F1-9DC0-47C0CAE77922}" type="datetimeFigureOut">
               <a:rPr lang="en-IN" smtClean="0"/>
-              <a:t>05-06-2018</a:t>
+              <a:t>06-06-2018</a:t>
             </a:fld>
             <a:endParaRPr lang="en-IN"/>
           </a:p>
@@ -2277,7 +2277,7 @@
           <a:p>
             <a:fld id="{0F441241-8C0B-43F1-9DC0-47C0CAE77922}" type="datetimeFigureOut">
               <a:rPr lang="en-IN" smtClean="0"/>
-              <a:t>05-06-2018</a:t>
+              <a:t>06-06-2018</a:t>
             </a:fld>
             <a:endParaRPr lang="en-IN"/>
           </a:p>
@@ -4103,7 +4103,7 @@
           <a:p>
             <a:fld id="{0F441241-8C0B-43F1-9DC0-47C0CAE77922}" type="datetimeFigureOut">
               <a:rPr lang="en-IN" smtClean="0"/>
-              <a:t>05-06-2018</a:t>
+              <a:t>06-06-2018</a:t>
             </a:fld>
             <a:endParaRPr lang="en-IN"/>
           </a:p>
@@ -5973,7 +5973,7 @@
           <a:p>
             <a:fld id="{0F441241-8C0B-43F1-9DC0-47C0CAE77922}" type="datetimeFigureOut">
               <a:rPr lang="en-IN" smtClean="0"/>
-              <a:t>05-06-2018</a:t>
+              <a:t>06-06-2018</a:t>
             </a:fld>
             <a:endParaRPr lang="en-IN"/>
           </a:p>
@@ -6086,7 +6086,7 @@
           <a:p>
             <a:fld id="{0F441241-8C0B-43F1-9DC0-47C0CAE77922}" type="datetimeFigureOut">
               <a:rPr lang="en-IN" smtClean="0"/>
-              <a:t>05-06-2018</a:t>
+              <a:t>06-06-2018</a:t>
             </a:fld>
             <a:endParaRPr lang="en-IN"/>
           </a:p>
@@ -6627,7 +6627,7 @@
           <a:p>
             <a:fld id="{0F441241-8C0B-43F1-9DC0-47C0CAE77922}" type="datetimeFigureOut">
               <a:rPr lang="en-IN" smtClean="0"/>
-              <a:t>05-06-2018</a:t>
+              <a:t>06-06-2018</a:t>
             </a:fld>
             <a:endParaRPr lang="en-IN"/>
           </a:p>
@@ -6740,7 +6740,7 @@
           <a:p>
             <a:fld id="{0F441241-8C0B-43F1-9DC0-47C0CAE77922}" type="datetimeFigureOut">
               <a:rPr lang="en-IN" smtClean="0"/>
-              <a:t>05-06-2018</a:t>
+              <a:t>06-06-2018</a:t>
             </a:fld>
             <a:endParaRPr lang="en-IN"/>
           </a:p>
@@ -8451,7 +8451,7 @@
           <a:p>
             <a:fld id="{0F441241-8C0B-43F1-9DC0-47C0CAE77922}" type="datetimeFigureOut">
               <a:rPr lang="en-IN" smtClean="0"/>
-              <a:t>05-06-2018</a:t>
+              <a:t>06-06-2018</a:t>
             </a:fld>
             <a:endParaRPr lang="en-IN"/>
           </a:p>
@@ -8602,7 +8602,7 @@
           <a:p>
             <a:fld id="{0F441241-8C0B-43F1-9DC0-47C0CAE77922}" type="datetimeFigureOut">
               <a:rPr lang="en-IN" smtClean="0"/>
-              <a:t>05-06-2018</a:t>
+              <a:t>06-06-2018</a:t>
             </a:fld>
             <a:endParaRPr lang="en-IN"/>
           </a:p>
@@ -12217,7 +12217,7 @@
           <a:p>
             <a:fld id="{0F441241-8C0B-43F1-9DC0-47C0CAE77922}" type="datetimeFigureOut">
               <a:rPr lang="en-IN" smtClean="0"/>
-              <a:t>05-06-2018</a:t>
+              <a:t>06-06-2018</a:t>
             </a:fld>
             <a:endParaRPr lang="en-IN"/>
           </a:p>
@@ -14076,7 +14076,7 @@
           <a:p>
             <a:fld id="{0F441241-8C0B-43F1-9DC0-47C0CAE77922}" type="datetimeFigureOut">
               <a:rPr lang="en-IN" smtClean="0"/>
-              <a:t>05-06-2018</a:t>
+              <a:t>06-06-2018</a:t>
             </a:fld>
             <a:endParaRPr lang="en-IN"/>
           </a:p>
@@ -14842,64 +14842,74 @@
         </p:nvSpPr>
         <p:spPr/>
         <p:txBody>
-          <a:bodyPr/>
+          <a:bodyPr>
+            <a:normAutofit/>
+          </a:bodyPr>
           <a:lstStyle/>
           <a:p>
             <a:r>
-              <a:rPr lang="en-US" dirty="0" smtClean="0"/>
+              <a:rPr lang="en-US" sz="2000" dirty="0" smtClean="0"/>
               <a:t>Special thanks to few of my friends for encouraging  me about this course </a:t>
             </a:r>
           </a:p>
           <a:p>
             <a:r>
-              <a:rPr lang="en-US" dirty="0" smtClean="0"/>
-              <a:t>Pramveer/</a:t>
-            </a:r>
-            <a:r>
-              <a:rPr lang="en-US" dirty="0" err="1" smtClean="0"/>
+              <a:rPr lang="en-US" sz="2000" dirty="0" err="1" smtClean="0"/>
+              <a:t>Pramveer</a:t>
+            </a:r>
+            <a:r>
+              <a:rPr lang="en-US" sz="2000" dirty="0" smtClean="0"/>
+              <a:t> / </a:t>
+            </a:r>
+            <a:r>
+              <a:rPr lang="en-US" sz="2000" dirty="0" err="1" smtClean="0"/>
               <a:t>Adarsh</a:t>
             </a:r>
             <a:r>
-              <a:rPr lang="en-US" dirty="0" smtClean="0"/>
-              <a:t> / Dinesh / </a:t>
-            </a:r>
-            <a:r>
-              <a:rPr lang="en-US" dirty="0" err="1" smtClean="0"/>
+              <a:rPr lang="en-US" sz="2000" dirty="0" smtClean="0"/>
+              <a:t> </a:t>
+            </a:r>
+            <a:r>
+              <a:rPr lang="en-US" sz="2000" dirty="0" smtClean="0"/>
+              <a:t>/ Dinesh / </a:t>
+            </a:r>
+            <a:r>
+              <a:rPr lang="en-US" sz="2000" dirty="0" err="1" smtClean="0"/>
               <a:t>Saif</a:t>
             </a:r>
             <a:r>
-              <a:rPr lang="en-US" dirty="0" smtClean="0"/>
+              <a:rPr lang="en-US" sz="2000" dirty="0" smtClean="0"/>
               <a:t> / </a:t>
             </a:r>
             <a:r>
-              <a:rPr lang="en-US" dirty="0" err="1" smtClean="0"/>
+              <a:rPr lang="en-US" sz="2000" dirty="0" err="1" smtClean="0"/>
               <a:t>Salil</a:t>
             </a:r>
             <a:r>
-              <a:rPr lang="en-US" dirty="0" smtClean="0"/>
+              <a:rPr lang="en-US" sz="2000" dirty="0" smtClean="0"/>
               <a:t> / Ishan etc.</a:t>
             </a:r>
           </a:p>
           <a:p>
-            <a:endParaRPr lang="en-US" dirty="0"/>
+            <a:endParaRPr lang="en-US" sz="2000" dirty="0"/>
           </a:p>
           <a:p>
             <a:pPr marL="0" indent="0">
               <a:buNone/>
             </a:pPr>
             <a:r>
-              <a:rPr lang="en-US" dirty="0" smtClean="0"/>
+              <a:rPr lang="en-US" sz="2000" dirty="0" smtClean="0"/>
               <a:t>			</a:t>
             </a:r>
             <a:r>
-              <a:rPr lang="en-US" dirty="0" err="1" smtClean="0"/>
+              <a:rPr lang="en-US" sz="2000" dirty="0" err="1" smtClean="0"/>
               <a:t>Thankyou</a:t>
             </a:r>
             <a:r>
-              <a:rPr lang="en-US" dirty="0" smtClean="0"/>
+              <a:rPr lang="en-US" sz="2000" dirty="0" smtClean="0"/>
               <a:t> !!</a:t>
             </a:r>
-            <a:endParaRPr lang="en-IN" dirty="0"/>
+            <a:endParaRPr lang="en-IN" sz="2000" dirty="0"/>
           </a:p>
         </p:txBody>
       </p:sp>
@@ -14987,13 +14997,16 @@
                   <a:srgbClr val="C00000"/>
                 </a:solidFill>
               </a:rPr>
-              <a:t>I would like to thanks few people in my life from them I learnt number of things related to technology</a:t>
-            </a:r>
-          </a:p>
-          <a:p>
-            <a:pPr marL="0" indent="0">
-              <a:buNone/>
-            </a:pPr>
+              <a:t>I would like to thanks few people in my life from them I learnt number of things related to </a:t>
+            </a:r>
+            <a:r>
+              <a:rPr lang="en-US" dirty="0" smtClean="0">
+                <a:solidFill>
+                  <a:srgbClr val="C00000"/>
+                </a:solidFill>
+              </a:rPr>
+              <a:t>technology</a:t>
+            </a:r>
             <a:endParaRPr lang="en-US" dirty="0" smtClean="0">
               <a:solidFill>
                 <a:srgbClr val="C00000"/>
@@ -15046,6 +15059,21 @@
             <a:r>
               <a:rPr lang="en-US" sz="2000" dirty="0" smtClean="0"/>
               <a:t>Nagerndra Sir (Co Founder of ThinkCampus) </a:t>
+            </a:r>
+            <a:endParaRPr lang="en-US" sz="2000" dirty="0" smtClean="0"/>
+          </a:p>
+          <a:p>
+            <a:r>
+              <a:rPr lang="en-US" sz="2000" dirty="0" smtClean="0"/>
+              <a:t>Vikas Tomar (</a:t>
+            </a:r>
+            <a:r>
+              <a:rPr lang="en-US" sz="2000" dirty="0"/>
+              <a:t>Sr. Software Developer</a:t>
+            </a:r>
+            <a:r>
+              <a:rPr lang="en-US" sz="2000" dirty="0" smtClean="0"/>
+              <a:t>)</a:t>
             </a:r>
             <a:endParaRPr lang="en-US" sz="2000" dirty="0" smtClean="0"/>
           </a:p>
